--- a/기획자료/PYG_정령_데이터_김순찬_220329.pptx
+++ b/기획자료/PYG_정령_데이터_김순찬_220329.pptx
@@ -262,7 +262,7 @@
       </p15:sldGuideLst>
     </p:ext>
     <p:ext uri="http://customooxmlschemas.google.com/">
-      <go:slidesCustomData xmlns="" xmlns:mc="http://schemas.openxmlformats.org/markup-compatibility/2006" xmlns:mv="urn:schemas-microsoft-com:mac:vml" xmlns:c="http://schemas.openxmlformats.org/drawingml/2006/chart" xmlns:dgm="http://schemas.openxmlformats.org/drawingml/2006/diagram" xmlns:o="urn:schemas-microsoft-com:office:office" xmlns:v="urn:schemas-microsoft-com:vml" xmlns:pvml="urn:schemas-microsoft-com:office:powerpoint" xmlns:com="http://schemas.openxmlformats.org/drawingml/2006/compatibility" xmlns:p14="http://schemas.microsoft.com/office/powerpoint/2010/main" xmlns:p15="http://schemas.microsoft.com/office/powerpoint/2012/main" xmlns:ahyp="http://schemas.microsoft.com/office/drawing/2018/hyperlinkcolor" xmlns:go="http://customooxmlschemas.google.com/" r:id="rId19" roundtripDataSignature="AMtx7mjAOoXwGU4J6hvVX4GYKTT7yqWFDA=="/>
+      <go:slidesCustomData xmlns:go="http://customooxmlschemas.google.com/" xmlns:ahyp="http://schemas.microsoft.com/office/drawing/2018/hyperlinkcolor" xmlns:p15="http://schemas.microsoft.com/office/powerpoint/2012/main" xmlns:p14="http://schemas.microsoft.com/office/powerpoint/2010/main" xmlns:com="http://schemas.openxmlformats.org/drawingml/2006/compatibility" xmlns:pvml="urn:schemas-microsoft-com:office:powerpoint" xmlns:v="urn:schemas-microsoft-com:vml" xmlns:o="urn:schemas-microsoft-com:office:office" xmlns:dgm="http://schemas.openxmlformats.org/drawingml/2006/diagram" xmlns:c="http://schemas.openxmlformats.org/drawingml/2006/chart" xmlns:mv="urn:schemas-microsoft-com:mac:vml" xmlns:mc="http://schemas.openxmlformats.org/markup-compatibility/2006" xmlns="" r:id="rId19" roundtripDataSignature="AMtx7mjAOoXwGU4J6hvVX4GYKTT7yqWFDA=="/>
     </p:ext>
   </p:extLst>
 </p:presentation>
@@ -19075,10 +19075,10 @@
                         <a:buNone/>
                       </a:pPr>
                       <a:r>
-                        <a:rPr lang="ko-KR" altLang="en-US" sz="1000" u="none" strike="noStrike" cap="none"/>
+                        <a:rPr lang="ko-KR" altLang="en-US" sz="1000" u="none" strike="noStrike" cap="none" dirty="0"/>
                         <a:t>사용 형태</a:t>
                       </a:r>
-                      <a:endParaRPr sz="1000" b="0" i="0" u="none" strike="noStrike" cap="none">
+                      <a:endParaRPr sz="1000" b="0" i="0" u="none" strike="noStrike" cap="none" dirty="0">
                         <a:solidFill>
                           <a:srgbClr val="000000"/>
                         </a:solidFill>
@@ -19116,10 +19116,10 @@
                         <a:buNone/>
                       </a:pPr>
                       <a:r>
-                        <a:rPr lang="en-US" altLang="ko-KR" sz="1000"/>
+                        <a:rPr lang="en-US" altLang="ko-KR" sz="1000" dirty="0" err="1"/>
                         <a:t>Usetype</a:t>
                       </a:r>
-                      <a:endParaRPr sz="1000" b="0" i="0" u="none" strike="noStrike" cap="none">
+                      <a:endParaRPr sz="1000" b="0" i="0" u="none" strike="noStrike" cap="none" dirty="0">
                         <a:solidFill>
                           <a:srgbClr val="000000"/>
                         </a:solidFill>
@@ -19398,7 +19398,7 @@
                         <a:defRPr/>
                       </a:pPr>
                       <a:r>
-                        <a:rPr kumimoji="0" lang="en-US" altLang="ko-KR" sz="1000" b="0" i="0" u="none" strike="noStrike" kern="0" cap="none" spc="0" normalizeH="0" baseline="0" noProof="0">
+                        <a:rPr kumimoji="0" lang="en-US" altLang="ko-KR" sz="1000" b="0" i="0" u="none" strike="noStrike" kern="0" cap="none" spc="0" normalizeH="0" baseline="0" noProof="0" dirty="0">
                           <a:ln>
                             <a:noFill/>
                           </a:ln>
@@ -19594,7 +19594,7 @@
                         <a:defRPr/>
                       </a:pPr>
                       <a:r>
-                        <a:rPr kumimoji="0" lang="en-US" altLang="ko-KR" sz="1000" b="0" i="0" u="none" strike="noStrike" kern="0" cap="none" spc="0" normalizeH="0" baseline="0" noProof="0">
+                        <a:rPr kumimoji="0" lang="en-US" altLang="ko-KR" sz="1000" b="0" i="0" u="none" strike="noStrike" kern="0" cap="none" spc="0" normalizeH="0" baseline="0" noProof="0" dirty="0">
                           <a:ln>
                             <a:noFill/>
                           </a:ln>
@@ -21234,17 +21234,92 @@
                 <a:cs typeface="Malgun Gothic"/>
                 <a:sym typeface="Malgun Gothic"/>
               </a:rPr>
-              <a:t>소환형 정령의 경우</a:t>
+              <a:t>소환형 </a:t>
             </a:r>
-            <a:endParaRPr lang="en-US" altLang="ko-KR" sz="1100" dirty="0">
-              <a:solidFill>
-                <a:schemeClr val="dk1"/>
-              </a:solidFill>
-              <a:latin typeface="Malgun Gothic"/>
-              <a:ea typeface="Malgun Gothic"/>
-              <a:cs typeface="Malgun Gothic"/>
-              <a:sym typeface="Malgun Gothic"/>
-            </a:endParaRPr>
+            <a:r>
+              <a:rPr lang="en-US" altLang="ko-KR" sz="1100" dirty="0">
+                <a:solidFill>
+                  <a:schemeClr val="dk1"/>
+                </a:solidFill>
+                <a:latin typeface="Malgun Gothic"/>
+                <a:ea typeface="Malgun Gothic"/>
+                <a:cs typeface="Malgun Gothic"/>
+                <a:sym typeface="Malgun Gothic"/>
+              </a:rPr>
+              <a:t>[</a:t>
+            </a:r>
+            <a:r>
+              <a:rPr lang="ko-KR" altLang="en-US" sz="1100" dirty="0">
+                <a:solidFill>
+                  <a:schemeClr val="dk1"/>
+                </a:solidFill>
+                <a:latin typeface="Malgun Gothic"/>
+                <a:ea typeface="Malgun Gothic"/>
+                <a:cs typeface="Malgun Gothic"/>
+                <a:sym typeface="Malgun Gothic"/>
+              </a:rPr>
+              <a:t>고정</a:t>
+            </a:r>
+            <a:r>
+              <a:rPr lang="en-US" altLang="ko-KR" sz="1100" dirty="0">
+                <a:solidFill>
+                  <a:schemeClr val="dk1"/>
+                </a:solidFill>
+                <a:latin typeface="Malgun Gothic"/>
+                <a:ea typeface="Malgun Gothic"/>
+                <a:cs typeface="Malgun Gothic"/>
+                <a:sym typeface="Malgun Gothic"/>
+              </a:rPr>
+              <a:t>] // 3. </a:t>
+            </a:r>
+            <a:r>
+              <a:rPr lang="ko-KR" altLang="en-US" sz="1100" dirty="0">
+                <a:solidFill>
+                  <a:schemeClr val="dk1"/>
+                </a:solidFill>
+                <a:latin typeface="Malgun Gothic"/>
+                <a:ea typeface="Malgun Gothic"/>
+                <a:cs typeface="Malgun Gothic"/>
+                <a:sym typeface="Malgun Gothic"/>
+              </a:rPr>
+              <a:t>소환형 </a:t>
+            </a:r>
+            <a:r>
+              <a:rPr lang="en-US" altLang="ko-KR" sz="1100" dirty="0">
+                <a:solidFill>
+                  <a:schemeClr val="dk1"/>
+                </a:solidFill>
+                <a:latin typeface="Malgun Gothic"/>
+                <a:ea typeface="Malgun Gothic"/>
+                <a:cs typeface="Malgun Gothic"/>
+                <a:sym typeface="Malgun Gothic"/>
+              </a:rPr>
+              <a:t>[</a:t>
+            </a:r>
+            <a:r>
+              <a:rPr lang="ko-KR" altLang="en-US" sz="1100" dirty="0">
+                <a:solidFill>
+                  <a:schemeClr val="dk1"/>
+                </a:solidFill>
+                <a:latin typeface="Malgun Gothic"/>
+                <a:ea typeface="Malgun Gothic"/>
+                <a:cs typeface="Malgun Gothic"/>
+                <a:sym typeface="Malgun Gothic"/>
+              </a:rPr>
+              <a:t>추격</a:t>
+            </a:r>
+            <a:r>
+              <a:rPr lang="en-US" altLang="ko-KR" sz="1100" dirty="0">
+                <a:solidFill>
+                  <a:schemeClr val="dk1"/>
+                </a:solidFill>
+                <a:latin typeface="Malgun Gothic"/>
+                <a:ea typeface="Malgun Gothic"/>
+                <a:cs typeface="Malgun Gothic"/>
+                <a:sym typeface="Malgun Gothic"/>
+              </a:rPr>
+              <a:t>]</a:t>
+            </a:r>
           </a:p>
           <a:p>
             <a:pPr marL="0" marR="0" lvl="0" indent="0" rtl="0">
@@ -22592,7 +22667,7 @@
                         <a:defRPr/>
                       </a:pPr>
                       <a:r>
-                        <a:rPr kumimoji="0" lang="en-US" altLang="ko-KR" sz="1000" b="0" i="0" u="none" strike="noStrike" kern="0" cap="none" spc="0" normalizeH="0" baseline="0" noProof="0">
+                        <a:rPr kumimoji="0" lang="en-US" altLang="ko-KR" sz="1000" b="0" i="0" u="none" strike="noStrike" kern="0" cap="none" spc="0" normalizeH="0" baseline="0" noProof="0" dirty="0">
                           <a:ln>
                             <a:noFill/>
                           </a:ln>

--- a/기획자료/PYG_정령_데이터_김순찬_220329.pptx
+++ b/기획자료/PYG_정령_데이터_김순찬_220329.pptx
@@ -13285,14 +13285,18 @@
                         <a:buNone/>
                       </a:pPr>
                       <a:r>
-                        <a:rPr lang="en-US" altLang="ko-KR" sz="1000" u="none" strike="noStrike" cap="none"/>
+                        <a:rPr lang="en-US" altLang="ko-KR" sz="1000" u="none" strike="noStrike" cap="none" dirty="0"/>
                         <a:t>Spirit</a:t>
                       </a:r>
                       <a:r>
-                        <a:rPr lang="ko-KR" sz="1000" u="none" strike="noStrike" cap="none"/>
-                        <a:t>_Table</a:t>
+                        <a:rPr lang="ko-KR" sz="1000" u="none" strike="noStrike" cap="none" dirty="0"/>
+                        <a:t>_</a:t>
                       </a:r>
-                      <a:endParaRPr sz="1000" b="0" i="0" u="none" strike="noStrike" cap="none">
+                      <a:r>
+                        <a:rPr lang="ko-KR" sz="1000" u="none" strike="noStrike" cap="none" dirty="0" err="1"/>
+                        <a:t>Table</a:t>
+                      </a:r>
+                      <a:endParaRPr sz="1000" b="0" i="0" u="none" strike="noStrike" cap="none" dirty="0">
                         <a:solidFill>
                           <a:srgbClr val="000000"/>
                         </a:solidFill>
@@ -14564,7 +14568,7 @@
                       </a:pPr>
                       <a:r>
                         <a:rPr lang="en-US" altLang="ko-KR" sz="1000" u="none" strike="noStrike" cap="none" dirty="0" err="1"/>
-                        <a:t>Atk_type</a:t>
+                        <a:t>ChaceTarget</a:t>
                       </a:r>
                       <a:endParaRPr lang="en-US" altLang="ko-KR" sz="1000" b="0" i="0" u="none" strike="noStrike" cap="none" dirty="0">
                         <a:solidFill>
@@ -14634,7 +14638,7 @@
                           <a:cs typeface="Malgun Gothic"/>
                           <a:sym typeface="Malgun Gothic"/>
                         </a:rPr>
-                        <a:t>스킬을 적용하게 하는 대상</a:t>
+                        <a:t>정령이 따라 다니는 대상</a:t>
                       </a:r>
                       <a:endParaRPr sz="1000" b="0" i="0" u="none" strike="noStrike" cap="none" dirty="0">
                         <a:solidFill>
@@ -15463,14 +15467,18 @@
                         <a:buNone/>
                       </a:pPr>
                       <a:r>
-                        <a:rPr lang="en-US" altLang="ko-KR" sz="1000" u="none" strike="noStrike" cap="none"/>
+                        <a:rPr lang="en-US" altLang="ko-KR" sz="1000" u="none" strike="noStrike" cap="none" dirty="0"/>
                         <a:t>Spirit</a:t>
                       </a:r>
                       <a:r>
-                        <a:rPr lang="ko-KR" sz="1000" u="none" strike="noStrike" cap="none"/>
-                        <a:t>_Table</a:t>
+                        <a:rPr lang="ko-KR" sz="1000" u="none" strike="noStrike" cap="none" dirty="0"/>
+                        <a:t>_</a:t>
                       </a:r>
-                      <a:endParaRPr sz="1000" b="0" i="0" u="none" strike="noStrike" cap="none">
+                      <a:r>
+                        <a:rPr lang="ko-KR" sz="1000" u="none" strike="noStrike" cap="none" dirty="0" err="1"/>
+                        <a:t>Table</a:t>
+                      </a:r>
+                      <a:endParaRPr sz="1000" b="0" i="0" u="none" strike="noStrike" cap="none" dirty="0">
                         <a:solidFill>
                           <a:srgbClr val="000000"/>
                         </a:solidFill>
@@ -16800,7 +16808,7 @@
                       </a:pPr>
                       <a:r>
                         <a:rPr lang="en-US" altLang="ko-KR" sz="1000" u="none" strike="noStrike" cap="none" dirty="0" err="1"/>
-                        <a:t>Atk_type</a:t>
+                        <a:t>ChaceTarget</a:t>
                       </a:r>
                       <a:endParaRPr lang="en-US" altLang="ko-KR" sz="1000" b="0" i="0" u="none" strike="noStrike" cap="none" dirty="0">
                         <a:solidFill>
@@ -16870,7 +16878,7 @@
                           <a:cs typeface="Malgun Gothic"/>
                           <a:sym typeface="Malgun Gothic"/>
                         </a:rPr>
-                        <a:t>스킬을 적용하게 하는 대상</a:t>
+                        <a:t>정령이 따라 다니는 대상</a:t>
                       </a:r>
                       <a:endParaRPr sz="1000" b="0" i="0" u="none" strike="noStrike" cap="none" dirty="0">
                         <a:solidFill>
@@ -18407,14 +18415,18 @@
                         <a:buNone/>
                       </a:pPr>
                       <a:r>
-                        <a:rPr lang="en-US" altLang="ko-KR" sz="1000" u="none" strike="noStrike" cap="none"/>
+                        <a:rPr lang="en-US" altLang="ko-KR" sz="1000" u="none" strike="noStrike" cap="none" dirty="0"/>
                         <a:t>Spirit</a:t>
                       </a:r>
                       <a:r>
-                        <a:rPr lang="ko-KR" sz="1000" u="none" strike="noStrike" cap="none"/>
-                        <a:t>_Table</a:t>
+                        <a:rPr lang="ko-KR" sz="1000" u="none" strike="noStrike" cap="none" dirty="0"/>
+                        <a:t>_</a:t>
                       </a:r>
-                      <a:endParaRPr sz="1000" b="0" i="0" u="none" strike="noStrike" cap="none">
+                      <a:r>
+                        <a:rPr lang="ko-KR" sz="1000" u="none" strike="noStrike" cap="none" dirty="0" err="1"/>
+                        <a:t>Table</a:t>
+                      </a:r>
+                      <a:endParaRPr sz="1000" b="0" i="0" u="none" strike="noStrike" cap="none" dirty="0">
                         <a:solidFill>
                           <a:srgbClr val="000000"/>
                         </a:solidFill>
@@ -19802,7 +19814,7 @@
                       </a:pPr>
                       <a:r>
                         <a:rPr lang="en-US" altLang="ko-KR" sz="1000" u="none" strike="noStrike" cap="none" dirty="0" err="1"/>
-                        <a:t>Atk_type</a:t>
+                        <a:t>ChaceTarget</a:t>
                       </a:r>
                       <a:endParaRPr lang="en-US" altLang="ko-KR" sz="1000" b="0" i="0" u="none" strike="noStrike" cap="none" dirty="0">
                         <a:solidFill>
@@ -19901,7 +19913,7 @@
                           <a:cs typeface="Malgun Gothic"/>
                           <a:sym typeface="Malgun Gothic"/>
                         </a:rPr>
-                        <a:t>스킬을 적용하게 하는 대상</a:t>
+                        <a:t>정령이 따라 다니는 대상</a:t>
                       </a:r>
                       <a:endParaRPr sz="1000" b="0" i="0" u="none" strike="noStrike" cap="none" dirty="0">
                         <a:solidFill>
@@ -20477,7 +20489,7 @@
         <p:spPr>
           <a:xfrm>
             <a:off x="9637588" y="863058"/>
-            <a:ext cx="2077200" cy="1869702"/>
+            <a:ext cx="2077200" cy="3000781"/>
           </a:xfrm>
           <a:prstGeom prst="rect">
             <a:avLst/>
@@ -20763,15 +20775,281 @@
               </a:spcAft>
               <a:buNone/>
             </a:pPr>
+            <a:r>
+              <a:rPr lang="ko-KR" altLang="en-US" sz="1050" dirty="0">
+                <a:solidFill>
+                  <a:srgbClr val="00B0F0"/>
+                </a:solidFill>
+                <a:latin typeface="Malgun Gothic"/>
+                <a:ea typeface="Malgun Gothic"/>
+                <a:cs typeface="Malgun Gothic"/>
+                <a:sym typeface="Malgun Gothic"/>
+              </a:rPr>
+              <a:t>타일에 영향을 받는 건 </a:t>
+            </a:r>
+            <a:r>
+              <a:rPr lang="en-US" altLang="ko-KR" sz="1050" dirty="0">
+                <a:solidFill>
+                  <a:srgbClr val="00B0F0"/>
+                </a:solidFill>
+                <a:latin typeface="Malgun Gothic"/>
+                <a:ea typeface="Malgun Gothic"/>
+                <a:cs typeface="Malgun Gothic"/>
+                <a:sym typeface="Malgun Gothic"/>
+              </a:rPr>
+              <a:t>1</a:t>
+            </a:r>
+            <a:r>
+              <a:rPr lang="ko-KR" altLang="en-US" sz="1050" dirty="0">
+                <a:solidFill>
+                  <a:srgbClr val="00B0F0"/>
+                </a:solidFill>
+                <a:latin typeface="Malgun Gothic"/>
+                <a:ea typeface="Malgun Gothic"/>
+                <a:cs typeface="Malgun Gothic"/>
+                <a:sym typeface="Malgun Gothic"/>
+              </a:rPr>
+              <a:t>번만 영향을 받으며 </a:t>
+            </a:r>
+            <a:r>
+              <a:rPr lang="en-US" altLang="ko-KR" sz="1050" dirty="0">
+                <a:solidFill>
+                  <a:srgbClr val="00B0F0"/>
+                </a:solidFill>
+                <a:latin typeface="Malgun Gothic"/>
+                <a:ea typeface="Malgun Gothic"/>
+                <a:cs typeface="Malgun Gothic"/>
+                <a:sym typeface="Malgun Gothic"/>
+              </a:rPr>
+              <a:t>2</a:t>
+            </a:r>
+            <a:r>
+              <a:rPr lang="ko-KR" altLang="en-US" sz="1050" dirty="0">
+                <a:solidFill>
+                  <a:srgbClr val="00B0F0"/>
+                </a:solidFill>
+                <a:latin typeface="Malgun Gothic"/>
+                <a:ea typeface="Malgun Gothic"/>
+                <a:cs typeface="Malgun Gothic"/>
+                <a:sym typeface="Malgun Gothic"/>
+              </a:rPr>
+              <a:t>번과 </a:t>
+            </a:r>
+            <a:r>
+              <a:rPr lang="en-US" altLang="ko-KR" sz="1050" dirty="0">
+                <a:solidFill>
+                  <a:srgbClr val="00B0F0"/>
+                </a:solidFill>
+                <a:latin typeface="Malgun Gothic"/>
+                <a:ea typeface="Malgun Gothic"/>
+                <a:cs typeface="Malgun Gothic"/>
+                <a:sym typeface="Malgun Gothic"/>
+              </a:rPr>
+              <a:t>3</a:t>
+            </a:r>
+            <a:r>
+              <a:rPr lang="ko-KR" altLang="en-US" sz="1050" dirty="0">
+                <a:solidFill>
+                  <a:srgbClr val="00B0F0"/>
+                </a:solidFill>
+                <a:latin typeface="Malgun Gothic"/>
+                <a:ea typeface="Malgun Gothic"/>
+                <a:cs typeface="Malgun Gothic"/>
+                <a:sym typeface="Malgun Gothic"/>
+              </a:rPr>
+              <a:t>번은</a:t>
+            </a:r>
             <a:endParaRPr lang="en-US" altLang="ko-KR" sz="1050" dirty="0">
               <a:solidFill>
-                <a:schemeClr val="dk1"/>
+                <a:srgbClr val="00B0F0"/>
               </a:solidFill>
               <a:latin typeface="Malgun Gothic"/>
               <a:ea typeface="Malgun Gothic"/>
               <a:cs typeface="Malgun Gothic"/>
               <a:sym typeface="Malgun Gothic"/>
             </a:endParaRPr>
+          </a:p>
+          <a:p>
+            <a:pPr marL="0" marR="0" lvl="0" indent="0" algn="l" rtl="0">
+              <a:spcBef>
+                <a:spcPts val="0"/>
+              </a:spcBef>
+              <a:spcAft>
+                <a:spcPts val="0"/>
+              </a:spcAft>
+              <a:buNone/>
+            </a:pPr>
+            <a:r>
+              <a:rPr lang="ko-KR" altLang="en-US" sz="1050" dirty="0">
+                <a:solidFill>
+                  <a:srgbClr val="00B0F0"/>
+                </a:solidFill>
+                <a:latin typeface="Malgun Gothic"/>
+                <a:ea typeface="Malgun Gothic"/>
+                <a:cs typeface="Malgun Gothic"/>
+                <a:sym typeface="Malgun Gothic"/>
+              </a:rPr>
+              <a:t>타일에 영향을 받지 않고 </a:t>
+            </a:r>
+            <a:endParaRPr lang="en-US" altLang="ko-KR" sz="1050" dirty="0">
+              <a:solidFill>
+                <a:srgbClr val="00B0F0"/>
+              </a:solidFill>
+              <a:latin typeface="Malgun Gothic"/>
+              <a:ea typeface="Malgun Gothic"/>
+              <a:cs typeface="Malgun Gothic"/>
+              <a:sym typeface="Malgun Gothic"/>
+            </a:endParaRPr>
+          </a:p>
+          <a:p>
+            <a:pPr marL="0" marR="0" lvl="0" indent="0" algn="l" rtl="0">
+              <a:spcBef>
+                <a:spcPts val="0"/>
+              </a:spcBef>
+              <a:spcAft>
+                <a:spcPts val="0"/>
+              </a:spcAft>
+              <a:buNone/>
+            </a:pPr>
+            <a:r>
+              <a:rPr lang="en-US" altLang="ko-KR" sz="1050" dirty="0">
+                <a:solidFill>
+                  <a:srgbClr val="00B0F0"/>
+                </a:solidFill>
+                <a:latin typeface="Malgun Gothic"/>
+                <a:ea typeface="Malgun Gothic"/>
+                <a:cs typeface="Malgun Gothic"/>
+                <a:sym typeface="Malgun Gothic"/>
+              </a:rPr>
+              <a:t>M</a:t>
+            </a:r>
+            <a:r>
+              <a:rPr lang="ko-KR" altLang="en-US" sz="1050" dirty="0">
+                <a:solidFill>
+                  <a:srgbClr val="00B0F0"/>
+                </a:solidFill>
+                <a:latin typeface="Malgun Gothic"/>
+                <a:ea typeface="Malgun Gothic"/>
+                <a:cs typeface="Malgun Gothic"/>
+                <a:sym typeface="Malgun Gothic"/>
+              </a:rPr>
+              <a:t>단위로 움직인다</a:t>
+            </a:r>
+            <a:r>
+              <a:rPr lang="en-US" altLang="ko-KR" sz="1050" dirty="0">
+                <a:solidFill>
+                  <a:srgbClr val="00B0F0"/>
+                </a:solidFill>
+                <a:latin typeface="Malgun Gothic"/>
+                <a:ea typeface="Malgun Gothic"/>
+                <a:cs typeface="Malgun Gothic"/>
+                <a:sym typeface="Malgun Gothic"/>
+              </a:rPr>
+              <a:t>.</a:t>
+            </a:r>
+          </a:p>
+          <a:p>
+            <a:pPr marL="0" marR="0" lvl="0" indent="0" algn="l" rtl="0">
+              <a:spcBef>
+                <a:spcPts val="0"/>
+              </a:spcBef>
+              <a:spcAft>
+                <a:spcPts val="0"/>
+              </a:spcAft>
+              <a:buNone/>
+            </a:pPr>
+            <a:endParaRPr lang="en-US" altLang="ko-KR" sz="1050" dirty="0">
+              <a:solidFill>
+                <a:srgbClr val="00B0F0"/>
+              </a:solidFill>
+              <a:latin typeface="Malgun Gothic"/>
+              <a:ea typeface="Malgun Gothic"/>
+              <a:cs typeface="Malgun Gothic"/>
+              <a:sym typeface="Malgun Gothic"/>
+            </a:endParaRPr>
+          </a:p>
+          <a:p>
+            <a:pPr marL="0" marR="0" lvl="0" indent="0" algn="l" rtl="0">
+              <a:spcBef>
+                <a:spcPts val="0"/>
+              </a:spcBef>
+              <a:spcAft>
+                <a:spcPts val="0"/>
+              </a:spcAft>
+              <a:buNone/>
+            </a:pPr>
+            <a:r>
+              <a:rPr lang="ko-KR" altLang="en-US" sz="1050" dirty="0">
+                <a:solidFill>
+                  <a:srgbClr val="00B0F0"/>
+                </a:solidFill>
+                <a:latin typeface="Malgun Gothic"/>
+                <a:ea typeface="Malgun Gothic"/>
+                <a:cs typeface="Malgun Gothic"/>
+                <a:sym typeface="Malgun Gothic"/>
+              </a:rPr>
+              <a:t>사용형태의 결과에 따라 감지 범위</a:t>
+            </a:r>
+            <a:r>
+              <a:rPr lang="en-US" altLang="ko-KR" sz="1050" dirty="0">
+                <a:solidFill>
+                  <a:srgbClr val="00B0F0"/>
+                </a:solidFill>
+                <a:latin typeface="Malgun Gothic"/>
+                <a:ea typeface="Malgun Gothic"/>
+                <a:cs typeface="Malgun Gothic"/>
+                <a:sym typeface="Malgun Gothic"/>
+              </a:rPr>
+              <a:t>, </a:t>
+            </a:r>
+            <a:r>
+              <a:rPr lang="ko-KR" altLang="en-US" sz="1050" dirty="0">
+                <a:solidFill>
+                  <a:srgbClr val="00B0F0"/>
+                </a:solidFill>
+                <a:latin typeface="Malgun Gothic"/>
+                <a:ea typeface="Malgun Gothic"/>
+                <a:cs typeface="Malgun Gothic"/>
+                <a:sym typeface="Malgun Gothic"/>
+              </a:rPr>
+              <a:t>사용 스킬이 타일 혹은 </a:t>
+            </a:r>
+            <a:r>
+              <a:rPr lang="en-US" altLang="ko-KR" sz="1050" dirty="0">
+                <a:solidFill>
+                  <a:srgbClr val="00B0F0"/>
+                </a:solidFill>
+                <a:latin typeface="Malgun Gothic"/>
+                <a:ea typeface="Malgun Gothic"/>
+                <a:cs typeface="Malgun Gothic"/>
+                <a:sym typeface="Malgun Gothic"/>
+              </a:rPr>
+              <a:t>M</a:t>
+            </a:r>
+            <a:r>
+              <a:rPr lang="ko-KR" altLang="en-US" sz="1050" dirty="0">
+                <a:solidFill>
+                  <a:srgbClr val="00B0F0"/>
+                </a:solidFill>
+                <a:latin typeface="Malgun Gothic"/>
+                <a:ea typeface="Malgun Gothic"/>
+                <a:cs typeface="Malgun Gothic"/>
+                <a:sym typeface="Malgun Gothic"/>
+              </a:rPr>
+              <a:t>단위로 변경 된다</a:t>
+            </a:r>
+            <a:r>
+              <a:rPr lang="en-US" altLang="ko-KR" sz="1050" dirty="0">
+                <a:solidFill>
+                  <a:srgbClr val="00B0F0"/>
+                </a:solidFill>
+                <a:latin typeface="Malgun Gothic"/>
+                <a:ea typeface="Malgun Gothic"/>
+                <a:cs typeface="Malgun Gothic"/>
+                <a:sym typeface="Malgun Gothic"/>
+              </a:rPr>
+              <a:t>.</a:t>
+            </a:r>
           </a:p>
         </p:txBody>
       </p:sp>
@@ -20948,7 +21226,7 @@
         </p:blipFill>
         <p:spPr>
           <a:xfrm>
-            <a:off x="5551780" y="3627776"/>
+            <a:off x="5728845" y="3627776"/>
             <a:ext cx="2382249" cy="1876618"/>
           </a:xfrm>
           <a:prstGeom prst="rect">
@@ -21186,8 +21464,8 @@
         </p:nvSpPr>
         <p:spPr>
           <a:xfrm>
-            <a:off x="5437414" y="5498046"/>
-            <a:ext cx="3333231" cy="430847"/>
+            <a:off x="5614479" y="5498046"/>
+            <a:ext cx="3333231" cy="938678"/>
           </a:xfrm>
           <a:prstGeom prst="rect">
             <a:avLst/>
@@ -21341,7 +21619,31 @@
                 <a:cs typeface="Malgun Gothic"/>
                 <a:sym typeface="Malgun Gothic"/>
               </a:rPr>
-              <a:t>바닥 타일에 영향 받지 않고 적을 추적해 공격한다</a:t>
+              <a:t>소환형은 바닥 타일에 영향을 받지는 않지만</a:t>
+            </a:r>
+            <a:r>
+              <a:rPr lang="en-US" altLang="ko-KR" sz="1100" dirty="0">
+                <a:solidFill>
+                  <a:schemeClr val="dk1"/>
+                </a:solidFill>
+                <a:latin typeface="Malgun Gothic"/>
+                <a:ea typeface="Malgun Gothic"/>
+                <a:cs typeface="Malgun Gothic"/>
+                <a:sym typeface="Malgun Gothic"/>
+              </a:rPr>
+              <a:t>, </a:t>
+            </a:r>
+            <a:r>
+              <a:rPr lang="ko-KR" altLang="en-US" sz="1100" dirty="0">
+                <a:solidFill>
+                  <a:schemeClr val="dk1"/>
+                </a:solidFill>
+                <a:latin typeface="Malgun Gothic"/>
+                <a:ea typeface="Malgun Gothic"/>
+                <a:cs typeface="Malgun Gothic"/>
+                <a:sym typeface="Malgun Gothic"/>
+              </a:rPr>
+              <a:t>지정된 위치에 소환 되어 있는다</a:t>
             </a:r>
             <a:r>
               <a:rPr lang="en-US" altLang="ko-KR" sz="1100" dirty="0">
@@ -21355,15 +21657,73 @@
               </a:rPr>
               <a:t>.</a:t>
             </a:r>
-            <a:endParaRPr sz="1100" dirty="0">
+          </a:p>
+          <a:p>
+            <a:pPr marL="0" marR="0" lvl="0" indent="0" rtl="0">
+              <a:spcBef>
+                <a:spcPts val="0"/>
+              </a:spcBef>
+              <a:spcAft>
+                <a:spcPts val="0"/>
+              </a:spcAft>
+              <a:buNone/>
+            </a:pPr>
+            <a:r>
+              <a:rPr lang="ko-KR" altLang="en-US" sz="1100" dirty="0">
+                <a:solidFill>
+                  <a:srgbClr val="00B0F0"/>
+                </a:solidFill>
+                <a:latin typeface="Malgun Gothic"/>
+                <a:ea typeface="Malgun Gothic"/>
+                <a:cs typeface="Malgun Gothic"/>
+                <a:sym typeface="Malgun Gothic"/>
+              </a:rPr>
+              <a:t>추격형은 바닥 타일에 영향 받지 않으며 지정된 </a:t>
+            </a:r>
+            <a:endParaRPr lang="en-US" altLang="ko-KR" sz="1100" dirty="0">
               <a:solidFill>
-                <a:schemeClr val="dk1"/>
+                <a:srgbClr val="00B0F0"/>
               </a:solidFill>
               <a:latin typeface="Malgun Gothic"/>
               <a:ea typeface="Malgun Gothic"/>
               <a:cs typeface="Malgun Gothic"/>
               <a:sym typeface="Malgun Gothic"/>
             </a:endParaRPr>
+          </a:p>
+          <a:p>
+            <a:pPr marL="0" marR="0" lvl="0" indent="0" rtl="0">
+              <a:spcBef>
+                <a:spcPts val="0"/>
+              </a:spcBef>
+              <a:spcAft>
+                <a:spcPts val="0"/>
+              </a:spcAft>
+              <a:buNone/>
+            </a:pPr>
+            <a:r>
+              <a:rPr lang="ko-KR" altLang="en-US" sz="1100" dirty="0">
+                <a:solidFill>
+                  <a:srgbClr val="00B0F0"/>
+                </a:solidFill>
+                <a:latin typeface="Malgun Gothic"/>
+                <a:ea typeface="Malgun Gothic"/>
+                <a:cs typeface="Malgun Gothic"/>
+                <a:sym typeface="Malgun Gothic"/>
+              </a:rPr>
+              <a:t>대상을 추격한다</a:t>
+            </a:r>
+            <a:r>
+              <a:rPr lang="en-US" altLang="ko-KR" sz="1100" dirty="0">
+                <a:solidFill>
+                  <a:srgbClr val="00B0F0"/>
+                </a:solidFill>
+                <a:latin typeface="Malgun Gothic"/>
+                <a:ea typeface="Malgun Gothic"/>
+                <a:cs typeface="Malgun Gothic"/>
+                <a:sym typeface="Malgun Gothic"/>
+              </a:rPr>
+              <a:t>.</a:t>
+            </a:r>
           </a:p>
         </p:txBody>
       </p:sp>
@@ -21404,7 +21764,7 @@
           <p:nvPr>
             <p:extLst>
               <p:ext uri="{D42A27DB-BD31-4B8C-83A1-F6EECF244321}">
-                <p14:modId xmlns:p14="http://schemas.microsoft.com/office/powerpoint/2010/main" val="574717054"/>
+                <p14:modId xmlns:p14="http://schemas.microsoft.com/office/powerpoint/2010/main" val="3933843694"/>
               </p:ext>
             </p:extLst>
           </p:nvPr>
@@ -21480,14 +21840,18 @@
                         <a:buNone/>
                       </a:pPr>
                       <a:r>
-                        <a:rPr lang="en-US" altLang="ko-KR" sz="1000" u="none" strike="noStrike" cap="none"/>
+                        <a:rPr lang="en-US" altLang="ko-KR" sz="1000" u="none" strike="noStrike" cap="none" dirty="0"/>
                         <a:t>Spirit</a:t>
                       </a:r>
                       <a:r>
-                        <a:rPr lang="ko-KR" sz="1000" u="none" strike="noStrike" cap="none"/>
-                        <a:t>_Table</a:t>
+                        <a:rPr lang="ko-KR" sz="1000" u="none" strike="noStrike" cap="none" dirty="0"/>
+                        <a:t>_</a:t>
                       </a:r>
-                      <a:endParaRPr sz="1000" b="0" i="0" u="none" strike="noStrike" cap="none">
+                      <a:r>
+                        <a:rPr lang="ko-KR" sz="1000" u="none" strike="noStrike" cap="none" dirty="0" err="1"/>
+                        <a:t>Table</a:t>
+                      </a:r>
+                      <a:endParaRPr sz="1000" b="0" i="0" u="none" strike="noStrike" cap="none" dirty="0">
                         <a:solidFill>
                           <a:srgbClr val="000000"/>
                         </a:solidFill>
@@ -22875,7 +23239,7 @@
                       </a:pPr>
                       <a:r>
                         <a:rPr lang="en-US" altLang="ko-KR" sz="1000" u="none" strike="noStrike" cap="none" dirty="0" err="1"/>
-                        <a:t>Atk_type</a:t>
+                        <a:t>ChaceTarget</a:t>
                       </a:r>
                       <a:endParaRPr lang="en-US" altLang="ko-KR" sz="1000" b="0" i="0" u="none" strike="noStrike" cap="none" dirty="0">
                         <a:solidFill>
@@ -22974,7 +23338,7 @@
                           <a:cs typeface="Malgun Gothic"/>
                           <a:sym typeface="Malgun Gothic"/>
                         </a:rPr>
-                        <a:t>스킬을 적용하게 하는 대상</a:t>
+                        <a:t>정령이 따라 다니는 대상</a:t>
                       </a:r>
                       <a:endParaRPr sz="1000" b="0" i="0" u="none" strike="noStrike" cap="none" dirty="0">
                         <a:solidFill>
@@ -23550,7 +23914,7 @@
         <p:spPr>
           <a:xfrm>
             <a:off x="9637588" y="863058"/>
-            <a:ext cx="2077200" cy="3000781"/>
+            <a:ext cx="2077200" cy="3970277"/>
           </a:xfrm>
           <a:prstGeom prst="rect">
             <a:avLst/>
@@ -23898,53 +24262,77 @@
             <a:r>
               <a:rPr lang="ko-KR" altLang="en-US" sz="1050" dirty="0">
                 <a:solidFill>
-                  <a:schemeClr val="dk1"/>
+                  <a:srgbClr val="00B0F0"/>
                 </a:solidFill>
                 <a:latin typeface="Malgun Gothic"/>
                 <a:ea typeface="Malgun Gothic"/>
                 <a:cs typeface="Malgun Gothic"/>
                 <a:sym typeface="Malgun Gothic"/>
               </a:rPr>
-              <a:t>감지 대상은 해당 스킬을 적용하게 하는 대상으로</a:t>
+              <a:t>감지대상은 아래와 같다</a:t>
             </a:r>
             <a:r>
               <a:rPr lang="en-US" altLang="ko-KR" sz="1050" dirty="0">
                 <a:solidFill>
-                  <a:schemeClr val="dk1"/>
+                  <a:srgbClr val="00B0F0"/>
                 </a:solidFill>
                 <a:latin typeface="Malgun Gothic"/>
                 <a:ea typeface="Malgun Gothic"/>
                 <a:cs typeface="Malgun Gothic"/>
                 <a:sym typeface="Malgun Gothic"/>
               </a:rPr>
-              <a:t>,</a:t>
+              <a:t>.</a:t>
             </a:r>
           </a:p>
           <a:p>
-            <a:pPr marL="0" marR="0" lvl="0" indent="0" algn="l" rtl="0">
-              <a:spcBef>
-                <a:spcPts val="0"/>
-              </a:spcBef>
-              <a:spcAft>
-                <a:spcPts val="0"/>
-              </a:spcAft>
-              <a:buNone/>
+            <a:pPr marL="228600" marR="0" lvl="0" indent="-228600" algn="l" rtl="0">
+              <a:spcBef>
+                <a:spcPts val="0"/>
+              </a:spcBef>
+              <a:spcAft>
+                <a:spcPts val="0"/>
+              </a:spcAft>
+              <a:buAutoNum type="arabicPeriod"/>
             </a:pPr>
             <a:r>
               <a:rPr lang="ko-KR" altLang="en-US" sz="1050" dirty="0">
                 <a:solidFill>
-                  <a:schemeClr val="dk1"/>
+                  <a:srgbClr val="00B0F0"/>
                 </a:solidFill>
                 <a:latin typeface="Malgun Gothic"/>
                 <a:ea typeface="Malgun Gothic"/>
                 <a:cs typeface="Malgun Gothic"/>
                 <a:sym typeface="Malgun Gothic"/>
               </a:rPr>
-              <a:t>대상으로는</a:t>
+              <a:t>보스 </a:t>
+            </a:r>
+            <a:r>
+              <a:rPr lang="en-US" altLang="ko-KR" sz="1050" dirty="0">
+                <a:solidFill>
+                  <a:srgbClr val="00B0F0"/>
+                </a:solidFill>
+                <a:latin typeface="Malgun Gothic"/>
+                <a:ea typeface="Malgun Gothic"/>
+                <a:cs typeface="Malgun Gothic"/>
+                <a:sym typeface="Malgun Gothic"/>
+              </a:rPr>
+              <a:t>: </a:t>
+            </a:r>
+            <a:r>
+              <a:rPr lang="ko-KR" altLang="en-US" sz="1050" dirty="0">
+                <a:solidFill>
+                  <a:srgbClr val="00B0F0"/>
+                </a:solidFill>
+                <a:latin typeface="Malgun Gothic"/>
+                <a:ea typeface="Malgun Gothic"/>
+                <a:cs typeface="Malgun Gothic"/>
+                <a:sym typeface="Malgun Gothic"/>
+              </a:rPr>
+              <a:t>보스 몬스터 본체</a:t>
             </a:r>
             <a:endParaRPr lang="en-US" altLang="ko-KR" sz="1050" dirty="0">
               <a:solidFill>
-                <a:schemeClr val="dk1"/>
+                <a:srgbClr val="00B0F0"/>
               </a:solidFill>
               <a:latin typeface="Malgun Gothic"/>
               <a:ea typeface="Malgun Gothic"/>
@@ -23953,19 +24341,78 @@
             </a:endParaRPr>
           </a:p>
           <a:p>
-            <a:pPr marL="0" marR="0" lvl="0" indent="0" algn="l" rtl="0">
-              <a:spcBef>
-                <a:spcPts val="0"/>
-              </a:spcBef>
-              <a:spcAft>
-                <a:spcPts val="0"/>
-              </a:spcAft>
-              <a:buNone/>
+            <a:pPr marL="228600" marR="0" lvl="0" indent="-228600" algn="l" rtl="0">
+              <a:spcBef>
+                <a:spcPts val="0"/>
+              </a:spcBef>
+              <a:spcAft>
+                <a:spcPts val="0"/>
+              </a:spcAft>
+              <a:buAutoNum type="arabicPeriod"/>
+            </a:pPr>
+            <a:r>
+              <a:rPr lang="ko-KR" altLang="en-US" sz="1050" dirty="0">
+                <a:solidFill>
+                  <a:srgbClr val="00B0F0"/>
+                </a:solidFill>
+                <a:latin typeface="Malgun Gothic"/>
+                <a:ea typeface="Malgun Gothic"/>
+                <a:cs typeface="Malgun Gothic"/>
+                <a:sym typeface="Malgun Gothic"/>
+              </a:rPr>
+              <a:t>적 </a:t>
+            </a:r>
+            <a:r>
+              <a:rPr lang="en-US" altLang="ko-KR" sz="1050" dirty="0">
+                <a:solidFill>
+                  <a:srgbClr val="00B0F0"/>
+                </a:solidFill>
+                <a:latin typeface="Malgun Gothic"/>
+                <a:ea typeface="Malgun Gothic"/>
+                <a:cs typeface="Malgun Gothic"/>
+                <a:sym typeface="Malgun Gothic"/>
+              </a:rPr>
+              <a:t>: </a:t>
+            </a:r>
+            <a:r>
+              <a:rPr lang="ko-KR" altLang="en-US" sz="1050" dirty="0">
+                <a:solidFill>
+                  <a:srgbClr val="00B0F0"/>
+                </a:solidFill>
+                <a:latin typeface="Malgun Gothic"/>
+                <a:ea typeface="Malgun Gothic"/>
+                <a:cs typeface="Malgun Gothic"/>
+                <a:sym typeface="Malgun Gothic"/>
+              </a:rPr>
+              <a:t>제일 가까이 있는 적</a:t>
+            </a:r>
+            <a:r>
+              <a:rPr lang="en-US" altLang="ko-KR" sz="1050" dirty="0">
+                <a:solidFill>
+                  <a:srgbClr val="00B0F0"/>
+                </a:solidFill>
+                <a:latin typeface="Malgun Gothic"/>
+                <a:ea typeface="Malgun Gothic"/>
+                <a:cs typeface="Malgun Gothic"/>
+                <a:sym typeface="Malgun Gothic"/>
+              </a:rPr>
+              <a:t>	</a:t>
+            </a:r>
+          </a:p>
+          <a:p>
+            <a:pPr marL="228600" marR="0" lvl="0" indent="-228600" algn="l" rtl="0">
+              <a:spcBef>
+                <a:spcPts val="0"/>
+              </a:spcBef>
+              <a:spcAft>
+                <a:spcPts val="0"/>
+              </a:spcAft>
+              <a:buAutoNum type="arabicPeriod"/>
             </a:pPr>
             <a:r>
               <a:rPr lang="ko-KR" altLang="en-US" sz="1050" dirty="0" err="1">
                 <a:solidFill>
-                  <a:schemeClr val="dk1"/>
+                  <a:srgbClr val="00B0F0"/>
                 </a:solidFill>
                 <a:latin typeface="Malgun Gothic"/>
                 <a:ea typeface="Malgun Gothic"/>
@@ -23977,67 +24424,87 @@
             <a:r>
               <a:rPr lang="en-US" altLang="ko-KR" sz="1050" dirty="0">
                 <a:solidFill>
-                  <a:schemeClr val="dk1"/>
+                  <a:srgbClr val="00B0F0"/>
                 </a:solidFill>
                 <a:latin typeface="Malgun Gothic"/>
                 <a:ea typeface="Malgun Gothic"/>
                 <a:cs typeface="Malgun Gothic"/>
                 <a:sym typeface="Malgun Gothic"/>
               </a:rPr>
-              <a:t>, </a:t>
+              <a:t> : </a:t>
             </a:r>
             <a:r>
               <a:rPr lang="ko-KR" altLang="en-US" sz="1050" dirty="0">
                 <a:solidFill>
-                  <a:schemeClr val="dk1"/>
+                  <a:srgbClr val="00B0F0"/>
                 </a:solidFill>
                 <a:latin typeface="Malgun Gothic"/>
                 <a:ea typeface="Malgun Gothic"/>
                 <a:cs typeface="Malgun Gothic"/>
                 <a:sym typeface="Malgun Gothic"/>
               </a:rPr>
-              <a:t>보스</a:t>
+              <a:t>정령을 소환한 플레이어</a:t>
             </a:r>
+            <a:endParaRPr lang="en-US" altLang="ko-KR" sz="1050" dirty="0">
+              <a:solidFill>
+                <a:srgbClr val="00B0F0"/>
+              </a:solidFill>
+              <a:latin typeface="Malgun Gothic"/>
+              <a:ea typeface="Malgun Gothic"/>
+              <a:cs typeface="Malgun Gothic"/>
+              <a:sym typeface="Malgun Gothic"/>
+            </a:endParaRPr>
+          </a:p>
+          <a:p>
+            <a:pPr marL="228600" marR="0" lvl="0" indent="-228600" algn="l" rtl="0">
+              <a:spcBef>
+                <a:spcPts val="0"/>
+              </a:spcBef>
+              <a:spcAft>
+                <a:spcPts val="0"/>
+              </a:spcAft>
+              <a:buAutoNum type="arabicPeriod"/>
+            </a:pPr>
             <a:r>
-              <a:rPr lang="en-US" altLang="ko-KR" sz="1050" dirty="0">
+              <a:rPr lang="ko-KR" altLang="en-US" sz="1050" dirty="0">
                 <a:solidFill>
-                  <a:schemeClr val="dk1"/>
+                  <a:srgbClr val="00B0F0"/>
                 </a:solidFill>
                 <a:latin typeface="Malgun Gothic"/>
                 <a:ea typeface="Malgun Gothic"/>
                 <a:cs typeface="Malgun Gothic"/>
                 <a:sym typeface="Malgun Gothic"/>
               </a:rPr>
-              <a:t>, </a:t>
+              <a:t>아군 </a:t>
             </a:r>
             <a:r>
-              <a:rPr lang="ko-KR" altLang="en-US" sz="1050" dirty="0" err="1">
+              <a:rPr lang="en-US" altLang="ko-KR" sz="1050" dirty="0">
                 <a:solidFill>
-                  <a:schemeClr val="dk1"/>
+                  <a:srgbClr val="00B0F0"/>
                 </a:solidFill>
                 <a:latin typeface="Malgun Gothic"/>
                 <a:ea typeface="Malgun Gothic"/>
                 <a:cs typeface="Malgun Gothic"/>
                 <a:sym typeface="Malgun Gothic"/>
               </a:rPr>
-              <a:t>잡몹이</a:t>
+              <a:t>:</a:t>
             </a:r>
             <a:r>
               <a:rPr lang="ko-KR" altLang="en-US" sz="1050" dirty="0">
                 <a:solidFill>
-                  <a:schemeClr val="dk1"/>
+                  <a:srgbClr val="00B0F0"/>
                 </a:solidFill>
                 <a:latin typeface="Malgun Gothic"/>
                 <a:ea typeface="Malgun Gothic"/>
                 <a:cs typeface="Malgun Gothic"/>
                 <a:sym typeface="Malgun Gothic"/>
               </a:rPr>
-              <a:t> 있다</a:t>
+              <a:t> 시전자를 제외한 가까이 있는 아군</a:t>
             </a:r>
             <a:r>
               <a:rPr lang="en-US" altLang="ko-KR" sz="1050" dirty="0">
                 <a:solidFill>
-                  <a:schemeClr val="dk1"/>
+                  <a:srgbClr val="00B0F0"/>
                 </a:solidFill>
                 <a:latin typeface="Malgun Gothic"/>
                 <a:ea typeface="Malgun Gothic"/>
@@ -24046,6 +24513,76 @@
               </a:rPr>
               <a:t>.</a:t>
             </a:r>
+          </a:p>
+          <a:p>
+            <a:pPr marR="0" lvl="0" algn="l" rtl="0">
+              <a:spcBef>
+                <a:spcPts val="0"/>
+              </a:spcBef>
+              <a:spcAft>
+                <a:spcPts val="0"/>
+              </a:spcAft>
+            </a:pPr>
+            <a:endParaRPr lang="en-US" altLang="ko-KR" sz="1050" dirty="0">
+              <a:solidFill>
+                <a:srgbClr val="00B0F0"/>
+              </a:solidFill>
+              <a:latin typeface="Malgun Gothic"/>
+              <a:ea typeface="Malgun Gothic"/>
+              <a:cs typeface="Malgun Gothic"/>
+              <a:sym typeface="Malgun Gothic"/>
+            </a:endParaRPr>
+          </a:p>
+          <a:p>
+            <a:pPr marR="0" lvl="0" algn="l" rtl="0">
+              <a:spcBef>
+                <a:spcPts val="0"/>
+              </a:spcBef>
+              <a:spcAft>
+                <a:spcPts val="0"/>
+              </a:spcAft>
+            </a:pPr>
+            <a:r>
+              <a:rPr lang="ko-KR" altLang="en-US" sz="1050" dirty="0">
+                <a:solidFill>
+                  <a:srgbClr val="00B0F0"/>
+                </a:solidFill>
+                <a:latin typeface="Malgun Gothic"/>
+                <a:ea typeface="Malgun Gothic"/>
+                <a:cs typeface="Malgun Gothic"/>
+                <a:sym typeface="Malgun Gothic"/>
+              </a:rPr>
+              <a:t>세부 내용은 시스템에서</a:t>
+            </a:r>
+            <a:endParaRPr lang="en-US" altLang="ko-KR" sz="1050" dirty="0">
+              <a:solidFill>
+                <a:srgbClr val="00B0F0"/>
+              </a:solidFill>
+              <a:latin typeface="Malgun Gothic"/>
+              <a:ea typeface="Malgun Gothic"/>
+              <a:cs typeface="Malgun Gothic"/>
+              <a:sym typeface="Malgun Gothic"/>
+            </a:endParaRPr>
+          </a:p>
+          <a:p>
+            <a:pPr marL="228600" marR="0" lvl="0" indent="-228600" algn="l" rtl="0">
+              <a:spcBef>
+                <a:spcPts val="0"/>
+              </a:spcBef>
+              <a:spcAft>
+                <a:spcPts val="0"/>
+              </a:spcAft>
+              <a:buAutoNum type="arabicPeriod"/>
+            </a:pPr>
+            <a:endParaRPr lang="en-US" altLang="ko-KR" sz="1050" dirty="0">
+              <a:solidFill>
+                <a:schemeClr val="dk1"/>
+              </a:solidFill>
+              <a:latin typeface="Malgun Gothic"/>
+              <a:ea typeface="Malgun Gothic"/>
+              <a:cs typeface="Malgun Gothic"/>
+              <a:sym typeface="Malgun Gothic"/>
+            </a:endParaRPr>
           </a:p>
         </p:txBody>
       </p:sp>
@@ -29280,14 +29817,18 @@
                         <a:buNone/>
                       </a:pPr>
                       <a:r>
-                        <a:rPr lang="en-US" altLang="ko-KR" sz="1000" u="none" strike="noStrike" cap="none"/>
+                        <a:rPr lang="en-US" altLang="ko-KR" sz="1000" u="none" strike="noStrike" cap="none" dirty="0"/>
                         <a:t>Spirit</a:t>
                       </a:r>
                       <a:r>
-                        <a:rPr lang="ko-KR" sz="1000" u="none" strike="noStrike" cap="none"/>
-                        <a:t>_Table</a:t>
+                        <a:rPr lang="ko-KR" sz="1000" u="none" strike="noStrike" cap="none" dirty="0"/>
+                        <a:t>_</a:t>
                       </a:r>
-                      <a:endParaRPr sz="1000" b="0" i="0" u="none" strike="noStrike" cap="none">
+                      <a:r>
+                        <a:rPr lang="ko-KR" sz="1000" u="none" strike="noStrike" cap="none" dirty="0" err="1"/>
+                        <a:t>Table</a:t>
+                      </a:r>
+                      <a:endParaRPr sz="1000" b="0" i="0" u="none" strike="noStrike" cap="none" dirty="0">
                         <a:solidFill>
                           <a:srgbClr val="000000"/>
                         </a:solidFill>
@@ -30675,7 +31216,7 @@
                       </a:pPr>
                       <a:r>
                         <a:rPr lang="en-US" altLang="ko-KR" sz="1000" u="none" strike="noStrike" cap="none" dirty="0" err="1"/>
-                        <a:t>Atk_type</a:t>
+                        <a:t>ChaceTarget</a:t>
                       </a:r>
                       <a:endParaRPr lang="en-US" altLang="ko-KR" sz="1000" b="0" i="0" u="none" strike="noStrike" cap="none" dirty="0">
                         <a:solidFill>
@@ -30774,7 +31315,7 @@
                           <a:cs typeface="Malgun Gothic"/>
                           <a:sym typeface="Malgun Gothic"/>
                         </a:rPr>
-                        <a:t>스킬을 적용하게 하는 대상</a:t>
+                        <a:t>정령이 따라 다니는 대상</a:t>
                       </a:r>
                       <a:endParaRPr sz="1000" b="0" i="0" u="none" strike="noStrike" cap="none" dirty="0">
                         <a:solidFill>
